--- a/Machine Learning/5. Logistic Regression.pptx
+++ b/Machine Learning/5. Logistic Regression.pptx
@@ -233,7 +233,7 @@
               <a:rPr lang="ko-KR" altLang="en-US" smtClean="0">
                 <a:uFillTx/>
               </a:rPr>
-              <a:t>2018. 3. 28.</a:t>
+              <a:t>2018-03-28</a:t>
             </a:fld>
             <a:endParaRPr lang="ko-KR" altLang="en-US">
               <a:uFillTx/>
@@ -1253,7 +1253,7 @@
               <a:rPr lang="en-US">
                 <a:uFillTx/>
               </a:rPr>
-              <a:t>3/28/18</a:t>
+              <a:t>3/28/2018</a:t>
             </a:fld>
             <a:endParaRPr lang="en-US">
               <a:uFillTx/>
@@ -1562,7 +1562,7 @@
               <a:rPr lang="en-US">
                 <a:uFillTx/>
               </a:rPr>
-              <a:t>3/28/18</a:t>
+              <a:t>3/28/2018</a:t>
             </a:fld>
             <a:endParaRPr lang="en-US">
               <a:uFillTx/>
@@ -1844,7 +1844,7 @@
               <a:rPr lang="en-US">
                 <a:uFillTx/>
               </a:rPr>
-              <a:t>3/28/18</a:t>
+              <a:t>3/28/2018</a:t>
             </a:fld>
             <a:endParaRPr lang="en-US">
               <a:uFillTx/>
@@ -2052,7 +2052,7 @@
               <a:rPr lang="en-US">
                 <a:uFillTx/>
               </a:rPr>
-              <a:t>3/28/18</a:t>
+              <a:t>3/28/2018</a:t>
             </a:fld>
             <a:endParaRPr lang="en-US">
               <a:uFillTx/>
@@ -2223,7 +2223,7 @@
               <a:rPr lang="en-US">
                 <a:uFillTx/>
               </a:rPr>
-              <a:t>3/28/18</a:t>
+              <a:t>3/28/2018</a:t>
             </a:fld>
             <a:endParaRPr lang="en-US">
               <a:uFillTx/>
@@ -2712,7 +2712,7 @@
               <a:rPr lang="en-US">
                 <a:uFillTx/>
               </a:rPr>
-              <a:t>3/28/18</a:t>
+              <a:t>3/28/2018</a:t>
             </a:fld>
             <a:endParaRPr lang="en-US">
               <a:uFillTx/>
@@ -2993,7 +2993,7 @@
           <p:cNvPr id="3" name="텍스트 상자 5">
             <a:extLst>
               <a:ext uri="{FF2B5EF4-FFF2-40B4-BE49-F238E27FC236}">
-                <a16:creationId xmlns="" xmlns:a16="http://schemas.microsoft.com/office/drawing/2014/main" id="{09683C1E-24EB-43D1-A3CF-D73CBCF47FA8}"/>
+                <a16:creationId xmlns:a16="http://schemas.microsoft.com/office/drawing/2014/main" id="{09683C1E-24EB-43D1-A3CF-D73CBCF47FA8}"/>
               </a:ext>
             </a:extLst>
           </p:cNvPr>
@@ -3029,7 +3029,7 @@
               </a:spcAft>
             </a:pPr>
             <a:r>
-              <a:rPr kumimoji="1" lang="en-US" altLang="ko-KR" sz="5900" b="1" u="sng" kern="1200" dirty="0" smtClean="0">
+              <a:rPr kumimoji="1" lang="en-US" altLang="ko-KR" sz="5900" b="1" u="sng" kern="1200" dirty="0">
                 <a:solidFill>
                   <a:schemeClr val="bg1">
                     <a:lumMod val="50000"/>
@@ -3049,24 +3049,6 @@
               </a:rPr>
               <a:t>Logistic Regression</a:t>
             </a:r>
-            <a:endParaRPr kumimoji="1" lang="en-US" altLang="ko-KR" sz="5900" b="1" u="sng" kern="1200" dirty="0">
-              <a:solidFill>
-                <a:schemeClr val="bg1">
-                  <a:lumMod val="50000"/>
-                </a:schemeClr>
-              </a:solidFill>
-              <a:effectLst>
-                <a:outerShdw blurRad="50800" dist="76200" dir="2700000" algn="tl" rotWithShape="0">
-                  <a:prstClr val="black">
-                    <a:alpha val="40000"/>
-                  </a:prstClr>
-                </a:outerShdw>
-              </a:effectLst>
-              <a:uFillTx/>
-              <a:latin typeface="+mj-lt"/>
-              <a:ea typeface="+mj-ea"/>
-              <a:cs typeface="+mj-cs"/>
-            </a:endParaRPr>
           </a:p>
         </p:txBody>
       </p:sp>
@@ -3093,7 +3075,7 @@
           <a:p>
             <a:pPr algn="ctr"/>
             <a:r>
-              <a:rPr kumimoji="1" lang="en-US" altLang="ko-KR" sz="6600" b="1" dirty="0" smtClean="0">
+              <a:rPr kumimoji="1" lang="en-US" altLang="ko-KR" sz="6600" b="1" dirty="0">
                 <a:solidFill>
                   <a:schemeClr val="tx1">
                     <a:lumMod val="65000"/>
@@ -3118,7 +3100,7 @@
           <p:cNvPr id="5" name="그림 4">
             <a:extLst>
               <a:ext uri="{FF2B5EF4-FFF2-40B4-BE49-F238E27FC236}">
-                <a16:creationId xmlns="" xmlns:a16="http://schemas.microsoft.com/office/drawing/2014/main" id="{6F172A4E-01F9-4093-8522-487BE52534B2}"/>
+                <a16:creationId xmlns:a16="http://schemas.microsoft.com/office/drawing/2014/main" id="{6F172A4E-01F9-4093-8522-487BE52534B2}"/>
               </a:ext>
             </a:extLst>
           </p:cNvPr>
@@ -3186,7 +3168,7 @@
           <p:cNvPr id="2" name="텍스트 상자 5">
             <a:extLst>
               <a:ext uri="{FF2B5EF4-FFF2-40B4-BE49-F238E27FC236}">
-                <a16:creationId xmlns:a16="http://schemas.microsoft.com/office/drawing/2014/main" xmlns="" id="{9D619D04-013E-4630-B348-6CFA4771E79C}"/>
+                <a16:creationId xmlns:a16="http://schemas.microsoft.com/office/drawing/2014/main" id="{9D619D04-013E-4630-B348-6CFA4771E79C}"/>
               </a:ext>
             </a:extLst>
           </p:cNvPr>
@@ -3212,7 +3194,7 @@
           <a:lstStyle/>
           <a:p>
             <a:r>
-              <a:rPr kumimoji="1" lang="en-US" altLang="ko-KR" sz="2000" b="1" dirty="0" smtClean="0">
+              <a:rPr kumimoji="1" lang="en-US" altLang="ko-KR" sz="2000" b="1" dirty="0">
                 <a:solidFill>
                   <a:srgbClr val="607796"/>
                 </a:solidFill>
@@ -3238,7 +3220,7 @@
           <p:cNvPr id="5" name="직선 연결선 4">
             <a:extLst>
               <a:ext uri="{FF2B5EF4-FFF2-40B4-BE49-F238E27FC236}">
-                <a16:creationId xmlns:a16="http://schemas.microsoft.com/office/drawing/2014/main" xmlns="" id="{1CD3F3F0-39F8-4AB1-BC2F-888D7696FE8B}"/>
+                <a16:creationId xmlns:a16="http://schemas.microsoft.com/office/drawing/2014/main" id="{1CD3F3F0-39F8-4AB1-BC2F-888D7696FE8B}"/>
               </a:ext>
             </a:extLst>
           </p:cNvPr>
@@ -3274,7 +3256,7 @@
           <p:cNvPr id="9" name="직선 연결선 8">
             <a:extLst>
               <a:ext uri="{FF2B5EF4-FFF2-40B4-BE49-F238E27FC236}">
-                <a16:creationId xmlns:a16="http://schemas.microsoft.com/office/drawing/2014/main" xmlns="" id="{4D7BFAB5-A0E7-40FF-95A0-72B8E9578507}"/>
+                <a16:creationId xmlns:a16="http://schemas.microsoft.com/office/drawing/2014/main" id="{4D7BFAB5-A0E7-40FF-95A0-72B8E9578507}"/>
               </a:ext>
             </a:extLst>
           </p:cNvPr>
@@ -3376,7 +3358,7 @@
           <p:cNvPr id="2" name="텍스트 상자 5">
             <a:extLst>
               <a:ext uri="{FF2B5EF4-FFF2-40B4-BE49-F238E27FC236}">
-                <a16:creationId xmlns:a16="http://schemas.microsoft.com/office/drawing/2014/main" xmlns="" id="{9D619D04-013E-4630-B348-6CFA4771E79C}"/>
+                <a16:creationId xmlns:a16="http://schemas.microsoft.com/office/drawing/2014/main" id="{9D619D04-013E-4630-B348-6CFA4771E79C}"/>
               </a:ext>
             </a:extLst>
           </p:cNvPr>
@@ -3402,7 +3384,7 @@
           <a:lstStyle/>
           <a:p>
             <a:r>
-              <a:rPr kumimoji="1" lang="en-US" altLang="ko-KR" sz="2000" b="1" dirty="0" smtClean="0">
+              <a:rPr kumimoji="1" lang="en-US" altLang="ko-KR" sz="2000" b="1" dirty="0">
                 <a:solidFill>
                   <a:srgbClr val="607796"/>
                 </a:solidFill>
@@ -3428,7 +3410,7 @@
           <p:cNvPr id="5" name="직선 연결선 4">
             <a:extLst>
               <a:ext uri="{FF2B5EF4-FFF2-40B4-BE49-F238E27FC236}">
-                <a16:creationId xmlns:a16="http://schemas.microsoft.com/office/drawing/2014/main" xmlns="" id="{1CD3F3F0-39F8-4AB1-BC2F-888D7696FE8B}"/>
+                <a16:creationId xmlns:a16="http://schemas.microsoft.com/office/drawing/2014/main" id="{1CD3F3F0-39F8-4AB1-BC2F-888D7696FE8B}"/>
               </a:ext>
             </a:extLst>
           </p:cNvPr>
@@ -3464,7 +3446,7 @@
           <p:cNvPr id="9" name="직선 연결선 8">
             <a:extLst>
               <a:ext uri="{FF2B5EF4-FFF2-40B4-BE49-F238E27FC236}">
-                <a16:creationId xmlns:a16="http://schemas.microsoft.com/office/drawing/2014/main" xmlns="" id="{4D7BFAB5-A0E7-40FF-95A0-72B8E9578507}"/>
+                <a16:creationId xmlns:a16="http://schemas.microsoft.com/office/drawing/2014/main" id="{4D7BFAB5-A0E7-40FF-95A0-72B8E9578507}"/>
               </a:ext>
             </a:extLst>
           </p:cNvPr>
@@ -3566,7 +3548,7 @@
           <p:cNvPr id="2" name="텍스트 상자 5">
             <a:extLst>
               <a:ext uri="{FF2B5EF4-FFF2-40B4-BE49-F238E27FC236}">
-                <a16:creationId xmlns:a16="http://schemas.microsoft.com/office/drawing/2014/main" xmlns="" id="{9D619D04-013E-4630-B348-6CFA4771E79C}"/>
+                <a16:creationId xmlns:a16="http://schemas.microsoft.com/office/drawing/2014/main" id="{9D619D04-013E-4630-B348-6CFA4771E79C}"/>
               </a:ext>
             </a:extLst>
           </p:cNvPr>
@@ -3592,7 +3574,7 @@
           <a:lstStyle/>
           <a:p>
             <a:r>
-              <a:rPr kumimoji="1" lang="en-US" altLang="ko-KR" sz="2000" b="1" dirty="0" smtClean="0">
+              <a:rPr kumimoji="1" lang="en-US" altLang="ko-KR" sz="2000" b="1" dirty="0">
                 <a:solidFill>
                   <a:srgbClr val="607796"/>
                 </a:solidFill>
@@ -3618,7 +3600,7 @@
           <p:cNvPr id="5" name="직선 연결선 4">
             <a:extLst>
               <a:ext uri="{FF2B5EF4-FFF2-40B4-BE49-F238E27FC236}">
-                <a16:creationId xmlns:a16="http://schemas.microsoft.com/office/drawing/2014/main" xmlns="" id="{1CD3F3F0-39F8-4AB1-BC2F-888D7696FE8B}"/>
+                <a16:creationId xmlns:a16="http://schemas.microsoft.com/office/drawing/2014/main" id="{1CD3F3F0-39F8-4AB1-BC2F-888D7696FE8B}"/>
               </a:ext>
             </a:extLst>
           </p:cNvPr>
@@ -3654,7 +3636,7 @@
           <p:cNvPr id="9" name="직선 연결선 8">
             <a:extLst>
               <a:ext uri="{FF2B5EF4-FFF2-40B4-BE49-F238E27FC236}">
-                <a16:creationId xmlns:a16="http://schemas.microsoft.com/office/drawing/2014/main" xmlns="" id="{4D7BFAB5-A0E7-40FF-95A0-72B8E9578507}"/>
+                <a16:creationId xmlns:a16="http://schemas.microsoft.com/office/drawing/2014/main" id="{4D7BFAB5-A0E7-40FF-95A0-72B8E9578507}"/>
               </a:ext>
             </a:extLst>
           </p:cNvPr>
@@ -3780,7 +3762,7 @@
           <p:cNvPr id="2" name="텍스트 상자 5">
             <a:extLst>
               <a:ext uri="{FF2B5EF4-FFF2-40B4-BE49-F238E27FC236}">
-                <a16:creationId xmlns:a16="http://schemas.microsoft.com/office/drawing/2014/main" xmlns="" id="{9D619D04-013E-4630-B348-6CFA4771E79C}"/>
+                <a16:creationId xmlns:a16="http://schemas.microsoft.com/office/drawing/2014/main" id="{9D619D04-013E-4630-B348-6CFA4771E79C}"/>
               </a:ext>
             </a:extLst>
           </p:cNvPr>
@@ -3806,7 +3788,7 @@
           <a:lstStyle/>
           <a:p>
             <a:r>
-              <a:rPr kumimoji="1" lang="en-US" altLang="ko-KR" sz="2000" b="1" dirty="0" smtClean="0">
+              <a:rPr kumimoji="1" lang="en-US" altLang="ko-KR" sz="2000" b="1" dirty="0">
                 <a:solidFill>
                   <a:srgbClr val="607796"/>
                 </a:solidFill>
@@ -3832,7 +3814,7 @@
           <p:cNvPr id="5" name="직선 연결선 4">
             <a:extLst>
               <a:ext uri="{FF2B5EF4-FFF2-40B4-BE49-F238E27FC236}">
-                <a16:creationId xmlns:a16="http://schemas.microsoft.com/office/drawing/2014/main" xmlns="" id="{1CD3F3F0-39F8-4AB1-BC2F-888D7696FE8B}"/>
+                <a16:creationId xmlns:a16="http://schemas.microsoft.com/office/drawing/2014/main" id="{1CD3F3F0-39F8-4AB1-BC2F-888D7696FE8B}"/>
               </a:ext>
             </a:extLst>
           </p:cNvPr>
@@ -3958,7 +3940,7 @@
           <p:cNvPr id="2" name="텍스트 상자 5">
             <a:extLst>
               <a:ext uri="{FF2B5EF4-FFF2-40B4-BE49-F238E27FC236}">
-                <a16:creationId xmlns:a16="http://schemas.microsoft.com/office/drawing/2014/main" xmlns="" id="{9D619D04-013E-4630-B348-6CFA4771E79C}"/>
+                <a16:creationId xmlns:a16="http://schemas.microsoft.com/office/drawing/2014/main" id="{9D619D04-013E-4630-B348-6CFA4771E79C}"/>
               </a:ext>
             </a:extLst>
           </p:cNvPr>
@@ -3984,7 +3966,7 @@
           <a:lstStyle/>
           <a:p>
             <a:r>
-              <a:rPr kumimoji="1" lang="en-US" altLang="ko-KR" sz="2000" b="1" dirty="0" smtClean="0">
+              <a:rPr kumimoji="1" lang="en-US" altLang="ko-KR" sz="2000" b="1" dirty="0">
                 <a:solidFill>
                   <a:srgbClr val="607796"/>
                 </a:solidFill>
@@ -4010,7 +3992,7 @@
           <p:cNvPr id="5" name="직선 연결선 4">
             <a:extLst>
               <a:ext uri="{FF2B5EF4-FFF2-40B4-BE49-F238E27FC236}">
-                <a16:creationId xmlns:a16="http://schemas.microsoft.com/office/drawing/2014/main" xmlns="" id="{1CD3F3F0-39F8-4AB1-BC2F-888D7696FE8B}"/>
+                <a16:creationId xmlns:a16="http://schemas.microsoft.com/office/drawing/2014/main" id="{1CD3F3F0-39F8-4AB1-BC2F-888D7696FE8B}"/>
               </a:ext>
             </a:extLst>
           </p:cNvPr>
@@ -4070,7 +4052,7 @@
           <p:cNvPr id="8" name="직선 연결선 4">
             <a:extLst>
               <a:ext uri="{FF2B5EF4-FFF2-40B4-BE49-F238E27FC236}">
-                <a16:creationId xmlns:a16="http://schemas.microsoft.com/office/drawing/2014/main" xmlns="" id="{1CD3F3F0-39F8-4AB1-BC2F-888D7696FE8B}"/>
+                <a16:creationId xmlns:a16="http://schemas.microsoft.com/office/drawing/2014/main" id="{1CD3F3F0-39F8-4AB1-BC2F-888D7696FE8B}"/>
               </a:ext>
             </a:extLst>
           </p:cNvPr>
@@ -4148,7 +4130,7 @@
           <p:cNvPr id="2" name="텍스트 상자 5">
             <a:extLst>
               <a:ext uri="{FF2B5EF4-FFF2-40B4-BE49-F238E27FC236}">
-                <a16:creationId xmlns:a16="http://schemas.microsoft.com/office/drawing/2014/main" xmlns="" id="{9D619D04-013E-4630-B348-6CFA4771E79C}"/>
+                <a16:creationId xmlns:a16="http://schemas.microsoft.com/office/drawing/2014/main" id="{9D619D04-013E-4630-B348-6CFA4771E79C}"/>
               </a:ext>
             </a:extLst>
           </p:cNvPr>
@@ -4174,7 +4156,7 @@
           <a:lstStyle/>
           <a:p>
             <a:r>
-              <a:rPr kumimoji="1" lang="en-US" altLang="ko-KR" sz="2000" b="1" dirty="0" smtClean="0">
+              <a:rPr kumimoji="1" lang="en-US" altLang="ko-KR" sz="2000" b="1" dirty="0">
                 <a:solidFill>
                   <a:srgbClr val="607796"/>
                 </a:solidFill>
@@ -4200,7 +4182,7 @@
           <p:cNvPr id="5" name="직선 연결선 4">
             <a:extLst>
               <a:ext uri="{FF2B5EF4-FFF2-40B4-BE49-F238E27FC236}">
-                <a16:creationId xmlns:a16="http://schemas.microsoft.com/office/drawing/2014/main" xmlns="" id="{1CD3F3F0-39F8-4AB1-BC2F-888D7696FE8B}"/>
+                <a16:creationId xmlns:a16="http://schemas.microsoft.com/office/drawing/2014/main" id="{1CD3F3F0-39F8-4AB1-BC2F-888D7696FE8B}"/>
               </a:ext>
             </a:extLst>
           </p:cNvPr>
@@ -4236,7 +4218,7 @@
           <p:cNvPr id="8" name="직선 연결선 4">
             <a:extLst>
               <a:ext uri="{FF2B5EF4-FFF2-40B4-BE49-F238E27FC236}">
-                <a16:creationId xmlns:a16="http://schemas.microsoft.com/office/drawing/2014/main" xmlns="" id="{1CD3F3F0-39F8-4AB1-BC2F-888D7696FE8B}"/>
+                <a16:creationId xmlns:a16="http://schemas.microsoft.com/office/drawing/2014/main" id="{1CD3F3F0-39F8-4AB1-BC2F-888D7696FE8B}"/>
               </a:ext>
             </a:extLst>
           </p:cNvPr>
@@ -4291,6 +4273,96 @@
           </a:prstGeom>
         </p:spPr>
       </p:pic>
+      <p:sp>
+        <p:nvSpPr>
+          <p:cNvPr id="3" name="왼쪽 중괄호 2">
+            <a:extLst>
+              <a:ext uri="{FF2B5EF4-FFF2-40B4-BE49-F238E27FC236}">
+                <a16:creationId xmlns:a16="http://schemas.microsoft.com/office/drawing/2014/main" id="{A3F3F45E-D001-4EB6-A6CE-28F25726B2B9}"/>
+              </a:ext>
+            </a:extLst>
+          </p:cNvPr>
+          <p:cNvSpPr/>
+          <p:nvPr/>
+        </p:nvSpPr>
+        <p:spPr>
+          <a:xfrm>
+            <a:off x="6260306" y="4364831"/>
+            <a:ext cx="76200" cy="381000"/>
+          </a:xfrm>
+          <a:prstGeom prst="leftBrace">
+            <a:avLst/>
+          </a:prstGeom>
+          <a:ln w="19050"/>
+        </p:spPr>
+        <p:style>
+          <a:lnRef idx="1">
+            <a:schemeClr val="dk1"/>
+          </a:lnRef>
+          <a:fillRef idx="0">
+            <a:schemeClr val="dk1"/>
+          </a:fillRef>
+          <a:effectRef idx="0">
+            <a:schemeClr val="dk1"/>
+          </a:effectRef>
+          <a:fontRef idx="minor">
+            <a:schemeClr val="tx1"/>
+          </a:fontRef>
+        </p:style>
+        <p:txBody>
+          <a:bodyPr rtlCol="0" anchor="ctr"/>
+          <a:lstStyle/>
+          <a:p>
+            <a:pPr algn="ctr"/>
+            <a:endParaRPr lang="ko-KR" altLang="en-US"/>
+          </a:p>
+        </p:txBody>
+      </p:sp>
+      <p:sp>
+        <p:nvSpPr>
+          <p:cNvPr id="7" name="왼쪽 중괄호 6">
+            <a:extLst>
+              <a:ext uri="{FF2B5EF4-FFF2-40B4-BE49-F238E27FC236}">
+                <a16:creationId xmlns:a16="http://schemas.microsoft.com/office/drawing/2014/main" id="{032BF0A8-E095-4712-AF3D-22D771B25B13}"/>
+              </a:ext>
+            </a:extLst>
+          </p:cNvPr>
+          <p:cNvSpPr/>
+          <p:nvPr/>
+        </p:nvSpPr>
+        <p:spPr>
+          <a:xfrm flipH="1">
+            <a:off x="9794082" y="4362450"/>
+            <a:ext cx="76200" cy="381000"/>
+          </a:xfrm>
+          <a:prstGeom prst="leftBrace">
+            <a:avLst/>
+          </a:prstGeom>
+          <a:ln w="19050"/>
+        </p:spPr>
+        <p:style>
+          <a:lnRef idx="1">
+            <a:schemeClr val="dk1"/>
+          </a:lnRef>
+          <a:fillRef idx="0">
+            <a:schemeClr val="dk1"/>
+          </a:fillRef>
+          <a:effectRef idx="0">
+            <a:schemeClr val="dk1"/>
+          </a:effectRef>
+          <a:fontRef idx="minor">
+            <a:schemeClr val="tx1"/>
+          </a:fontRef>
+        </p:style>
+        <p:txBody>
+          <a:bodyPr rtlCol="0" anchor="ctr"/>
+          <a:lstStyle/>
+          <a:p>
+            <a:pPr algn="ctr"/>
+            <a:endParaRPr lang="ko-KR" altLang="en-US"/>
+          </a:p>
+        </p:txBody>
+      </p:sp>
     </p:spTree>
     <p:extLst>
       <p:ext uri="{BB962C8B-B14F-4D97-AF65-F5344CB8AC3E}">
